--- a/output/topicsoverall.pptx
+++ b/output/topicsoverall.pptx
@@ -254,7 +254,7 @@
           <a:p>
             <a:fld id="{AB362D6E-D364-ED44-8252-29971D2255DC}" type="datetimeFigureOut">
               <a:rPr lang="en-US" smtClean="0"/>
-              <a:t>9/20/24</a:t>
+              <a:t>9/25/24</a:t>
             </a:fld>
             <a:endParaRPr lang="en-US"/>
           </a:p>
@@ -424,7 +424,7 @@
           <a:p>
             <a:fld id="{AB362D6E-D364-ED44-8252-29971D2255DC}" type="datetimeFigureOut">
               <a:rPr lang="en-US" smtClean="0"/>
-              <a:t>9/20/24</a:t>
+              <a:t>9/25/24</a:t>
             </a:fld>
             <a:endParaRPr lang="en-US"/>
           </a:p>
@@ -604,7 +604,7 @@
           <a:p>
             <a:fld id="{AB362D6E-D364-ED44-8252-29971D2255DC}" type="datetimeFigureOut">
               <a:rPr lang="en-US" smtClean="0"/>
-              <a:t>9/20/24</a:t>
+              <a:t>9/25/24</a:t>
             </a:fld>
             <a:endParaRPr lang="en-US"/>
           </a:p>
@@ -774,7 +774,7 @@
           <a:p>
             <a:fld id="{AB362D6E-D364-ED44-8252-29971D2255DC}" type="datetimeFigureOut">
               <a:rPr lang="en-US" smtClean="0"/>
-              <a:t>9/20/24</a:t>
+              <a:t>9/25/24</a:t>
             </a:fld>
             <a:endParaRPr lang="en-US"/>
           </a:p>
@@ -1020,7 +1020,7 @@
           <a:p>
             <a:fld id="{AB362D6E-D364-ED44-8252-29971D2255DC}" type="datetimeFigureOut">
               <a:rPr lang="en-US" smtClean="0"/>
-              <a:t>9/20/24</a:t>
+              <a:t>9/25/24</a:t>
             </a:fld>
             <a:endParaRPr lang="en-US"/>
           </a:p>
@@ -1252,7 +1252,7 @@
           <a:p>
             <a:fld id="{AB362D6E-D364-ED44-8252-29971D2255DC}" type="datetimeFigureOut">
               <a:rPr lang="en-US" smtClean="0"/>
-              <a:t>9/20/24</a:t>
+              <a:t>9/25/24</a:t>
             </a:fld>
             <a:endParaRPr lang="en-US"/>
           </a:p>
@@ -1619,7 +1619,7 @@
           <a:p>
             <a:fld id="{AB362D6E-D364-ED44-8252-29971D2255DC}" type="datetimeFigureOut">
               <a:rPr lang="en-US" smtClean="0"/>
-              <a:t>9/20/24</a:t>
+              <a:t>9/25/24</a:t>
             </a:fld>
             <a:endParaRPr lang="en-US"/>
           </a:p>
@@ -1737,7 +1737,7 @@
           <a:p>
             <a:fld id="{AB362D6E-D364-ED44-8252-29971D2255DC}" type="datetimeFigureOut">
               <a:rPr lang="en-US" smtClean="0"/>
-              <a:t>9/20/24</a:t>
+              <a:t>9/25/24</a:t>
             </a:fld>
             <a:endParaRPr lang="en-US"/>
           </a:p>
@@ -1832,7 +1832,7 @@
           <a:p>
             <a:fld id="{AB362D6E-D364-ED44-8252-29971D2255DC}" type="datetimeFigureOut">
               <a:rPr lang="en-US" smtClean="0"/>
-              <a:t>9/20/24</a:t>
+              <a:t>9/25/24</a:t>
             </a:fld>
             <a:endParaRPr lang="en-US"/>
           </a:p>
@@ -2109,7 +2109,7 @@
           <a:p>
             <a:fld id="{AB362D6E-D364-ED44-8252-29971D2255DC}" type="datetimeFigureOut">
               <a:rPr lang="en-US" smtClean="0"/>
-              <a:t>9/20/24</a:t>
+              <a:t>9/25/24</a:t>
             </a:fld>
             <a:endParaRPr lang="en-US"/>
           </a:p>
@@ -2366,7 +2366,7 @@
           <a:p>
             <a:fld id="{AB362D6E-D364-ED44-8252-29971D2255DC}" type="datetimeFigureOut">
               <a:rPr lang="en-US" smtClean="0"/>
-              <a:t>9/20/24</a:t>
+              <a:t>9/25/24</a:t>
             </a:fld>
             <a:endParaRPr lang="en-US"/>
           </a:p>
@@ -2579,7 +2579,7 @@
           <a:p>
             <a:fld id="{AB362D6E-D364-ED44-8252-29971D2255DC}" type="datetimeFigureOut">
               <a:rPr lang="en-US" smtClean="0"/>
-              <a:t>9/20/24</a:t>
+              <a:t>9/25/24</a:t>
             </a:fld>
             <a:endParaRPr lang="en-US"/>
           </a:p>
@@ -5456,8 +5456,8 @@
         </p:nvSpPr>
         <p:spPr>
           <a:xfrm>
-            <a:off x="1300078" y="5037288"/>
-            <a:ext cx="257115" cy="246221"/>
+            <a:off x="1229000" y="5037288"/>
+            <a:ext cx="388432" cy="246221"/>
           </a:xfrm>
           <a:prstGeom prst="rect">
             <a:avLst/>
@@ -5472,12 +5472,16 @@
           <a:p>
             <a:pPr algn="ctr"/>
             <a:r>
-              <a:rPr lang="en-US" sz="1000" dirty="0">
+              <a:rPr lang="en-US" sz="1000" dirty="0" err="1">
                 <a:latin typeface="Arial" panose="020B0604020202020204" pitchFamily="34" charset="0"/>
                 <a:cs typeface="Arial" panose="020B0604020202020204" pitchFamily="34" charset="0"/>
               </a:rPr>
-              <a:t>b</a:t>
-            </a:r>
+              <a:t>b,c</a:t>
+            </a:r>
+            <a:endParaRPr lang="en-US" sz="1000" dirty="0">
+              <a:latin typeface="Arial" panose="020B0604020202020204" pitchFamily="34" charset="0"/>
+              <a:cs typeface="Arial" panose="020B0604020202020204" pitchFamily="34" charset="0"/>
+            </a:endParaRPr>
           </a:p>
         </p:txBody>
       </p:sp>
@@ -5515,7 +5519,7 @@
                 <a:latin typeface="Arial" panose="020B0604020202020204" pitchFamily="34" charset="0"/>
                 <a:cs typeface="Arial" panose="020B0604020202020204" pitchFamily="34" charset="0"/>
               </a:rPr>
-              <a:t>c</a:t>
+              <a:t>d</a:t>
             </a:r>
           </a:p>
         </p:txBody>
@@ -5554,7 +5558,7 @@
                 <a:latin typeface="Arial" panose="020B0604020202020204" pitchFamily="34" charset="0"/>
                 <a:cs typeface="Arial" panose="020B0604020202020204" pitchFamily="34" charset="0"/>
               </a:rPr>
-              <a:t>b</a:t>
+              <a:t>c</a:t>
             </a:r>
           </a:p>
         </p:txBody>
@@ -5628,16 +5632,12 @@
           <a:p>
             <a:pPr algn="ctr"/>
             <a:r>
-              <a:rPr lang="en-US" sz="1000" dirty="0" err="1">
+              <a:rPr lang="en-US" sz="1000" dirty="0">
                 <a:latin typeface="Arial" panose="020B0604020202020204" pitchFamily="34" charset="0"/>
                 <a:cs typeface="Arial" panose="020B0604020202020204" pitchFamily="34" charset="0"/>
               </a:rPr>
-              <a:t>b,d</a:t>
-            </a:r>
-            <a:endParaRPr lang="en-US" sz="1000" dirty="0">
-              <a:latin typeface="Arial" panose="020B0604020202020204" pitchFamily="34" charset="0"/>
-              <a:cs typeface="Arial" panose="020B0604020202020204" pitchFamily="34" charset="0"/>
-            </a:endParaRPr>
+              <a:t>b</a:t>
+            </a:r>
           </a:p>
         </p:txBody>
       </p:sp>
